--- a/Report/Roughness measurement using smartphone application_01.pptx
+++ b/Report/Roughness measurement using smartphone application_01.pptx
@@ -25,7 +25,15 @@
     <p:sldId id="274" r:id="rId19"/>
     <p:sldId id="275" r:id="rId20"/>
     <p:sldId id="276" r:id="rId21"/>
-    <p:sldId id="266" r:id="rId22"/>
+    <p:sldId id="277" r:id="rId22"/>
+    <p:sldId id="278" r:id="rId23"/>
+    <p:sldId id="279" r:id="rId24"/>
+    <p:sldId id="280" r:id="rId25"/>
+    <p:sldId id="281" r:id="rId26"/>
+    <p:sldId id="282" r:id="rId27"/>
+    <p:sldId id="283" r:id="rId28"/>
+    <p:sldId id="284" r:id="rId29"/>
+    <p:sldId id="266" r:id="rId30"/>
   </p:sldIdLst>
   <p:sldSz cx="12192000" cy="6858000"/>
   <p:notesSz cx="6858000" cy="9144000"/>
@@ -30984,7 +30992,7 @@
             <a:fld id="{B61BEF0D-F0BB-DE4B-95CE-6DB70DBA9567}" type="datetimeFigureOut">
               <a:rPr lang="en-US" dirty="0"/>
               <a:pPr/>
-              <a:t>8/4/2021</a:t>
+              <a:t>9/16/2021</a:t>
             </a:fld>
             <a:endParaRPr lang="en-US" dirty="0"/>
           </a:p>
@@ -31232,7 +31240,7 @@
             <a:fld id="{B61BEF0D-F0BB-DE4B-95CE-6DB70DBA9567}" type="datetimeFigureOut">
               <a:rPr lang="en-US" dirty="0"/>
               <a:pPr/>
-              <a:t>8/4/2021</a:t>
+              <a:t>9/16/2021</a:t>
             </a:fld>
             <a:endParaRPr lang="en-US" dirty="0"/>
           </a:p>
@@ -31543,7 +31551,7 @@
             <a:fld id="{B61BEF0D-F0BB-DE4B-95CE-6DB70DBA9567}" type="datetimeFigureOut">
               <a:rPr lang="en-US" dirty="0"/>
               <a:pPr/>
-              <a:t>8/4/2021</a:t>
+              <a:t>9/16/2021</a:t>
             </a:fld>
             <a:endParaRPr lang="en-US" dirty="0"/>
           </a:p>
@@ -31881,7 +31889,7 @@
             <a:fld id="{B61BEF0D-F0BB-DE4B-95CE-6DB70DBA9567}" type="datetimeFigureOut">
               <a:rPr lang="en-US" dirty="0"/>
               <a:pPr/>
-              <a:t>8/4/2021</a:t>
+              <a:t>9/16/2021</a:t>
             </a:fld>
             <a:endParaRPr lang="en-US" dirty="0"/>
           </a:p>
@@ -32192,7 +32200,7 @@
             <a:fld id="{B61BEF0D-F0BB-DE4B-95CE-6DB70DBA9567}" type="datetimeFigureOut">
               <a:rPr lang="en-US" dirty="0"/>
               <a:pPr/>
-              <a:t>8/4/2021</a:t>
+              <a:t>9/16/2021</a:t>
             </a:fld>
             <a:endParaRPr lang="en-US" dirty="0"/>
           </a:p>
@@ -32582,7 +32590,7 @@
             <a:fld id="{B61BEF0D-F0BB-DE4B-95CE-6DB70DBA9567}" type="datetimeFigureOut">
               <a:rPr lang="en-US" dirty="0"/>
               <a:pPr/>
-              <a:t>8/4/2021</a:t>
+              <a:t>9/16/2021</a:t>
             </a:fld>
             <a:endParaRPr lang="en-US" dirty="0"/>
           </a:p>
@@ -32748,7 +32756,7 @@
           <a:p>
             <a:fld id="{55C6B4A9-1611-4792-9094-5F34BCA07E0B}" type="datetimeFigureOut">
               <a:rPr lang="en-US" dirty="0"/>
-              <a:t>8/4/2021</a:t>
+              <a:t>9/16/2021</a:t>
             </a:fld>
             <a:endParaRPr lang="en-US" dirty="0"/>
           </a:p>
@@ -32924,7 +32932,7 @@
             <a:fld id="{B61BEF0D-F0BB-DE4B-95CE-6DB70DBA9567}" type="datetimeFigureOut">
               <a:rPr lang="en-US" dirty="0"/>
               <a:pPr/>
-              <a:t>8/4/2021</a:t>
+              <a:t>9/16/2021</a:t>
             </a:fld>
             <a:endParaRPr lang="en-US" dirty="0"/>
           </a:p>
@@ -33097,7 +33105,7 @@
             <a:fld id="{B61BEF0D-F0BB-DE4B-95CE-6DB70DBA9567}" type="datetimeFigureOut">
               <a:rPr lang="en-US" dirty="0"/>
               <a:pPr/>
-              <a:t>8/4/2021</a:t>
+              <a:t>9/16/2021</a:t>
             </a:fld>
             <a:endParaRPr lang="en-US" dirty="0"/>
           </a:p>
@@ -33341,7 +33349,7 @@
             <a:fld id="{B61BEF0D-F0BB-DE4B-95CE-6DB70DBA9567}" type="datetimeFigureOut">
               <a:rPr lang="en-US" dirty="0"/>
               <a:pPr/>
-              <a:t>8/4/2021</a:t>
+              <a:t>9/16/2021</a:t>
             </a:fld>
             <a:endParaRPr lang="en-US" dirty="0"/>
           </a:p>
@@ -33569,7 +33577,7 @@
           <a:p>
             <a:fld id="{EB712588-04B1-427B-82EE-E8DB90309F08}" type="datetimeFigureOut">
               <a:rPr lang="en-US" dirty="0"/>
-              <a:t>8/4/2021</a:t>
+              <a:t>9/16/2021</a:t>
             </a:fld>
             <a:endParaRPr lang="en-US" dirty="0"/>
           </a:p>
@@ -33939,7 +33947,7 @@
             <a:fld id="{B61BEF0D-F0BB-DE4B-95CE-6DB70DBA9567}" type="datetimeFigureOut">
               <a:rPr lang="en-US" dirty="0"/>
               <a:pPr/>
-              <a:t>8/4/2021</a:t>
+              <a:t>9/16/2021</a:t>
             </a:fld>
             <a:endParaRPr lang="en-US" dirty="0"/>
           </a:p>
@@ -34059,7 +34067,7 @@
             <a:fld id="{B61BEF0D-F0BB-DE4B-95CE-6DB70DBA9567}" type="datetimeFigureOut">
               <a:rPr lang="en-US" dirty="0"/>
               <a:pPr/>
-              <a:t>8/4/2021</a:t>
+              <a:t>9/16/2021</a:t>
             </a:fld>
             <a:endParaRPr lang="en-US" dirty="0"/>
           </a:p>
@@ -34151,7 +34159,7 @@
             <a:fld id="{B61BEF0D-F0BB-DE4B-95CE-6DB70DBA9567}" type="datetimeFigureOut">
               <a:rPr lang="en-US" dirty="0"/>
               <a:pPr/>
-              <a:t>8/4/2021</a:t>
+              <a:t>9/16/2021</a:t>
             </a:fld>
             <a:endParaRPr lang="en-US" dirty="0"/>
           </a:p>
@@ -34402,7 +34410,7 @@
           <a:p>
             <a:fld id="{42A54C80-263E-416B-A8E0-580EDEADCBDC}" type="datetimeFigureOut">
               <a:rPr lang="en-US" dirty="0"/>
-              <a:t>8/4/2021</a:t>
+              <a:t>9/16/2021</a:t>
             </a:fld>
             <a:endParaRPr lang="en-US" dirty="0"/>
           </a:p>
@@ -34661,7 +34669,7 @@
             <a:fld id="{B61BEF0D-F0BB-DE4B-95CE-6DB70DBA9567}" type="datetimeFigureOut">
               <a:rPr lang="en-US" dirty="0"/>
               <a:pPr/>
-              <a:t>8/4/2021</a:t>
+              <a:t>9/16/2021</a:t>
             </a:fld>
             <a:endParaRPr lang="en-US" dirty="0"/>
           </a:p>
@@ -35401,7 +35409,7 @@
             <a:fld id="{B61BEF0D-F0BB-DE4B-95CE-6DB70DBA9567}" type="datetimeFigureOut">
               <a:rPr lang="en-US" dirty="0"/>
               <a:pPr/>
-              <a:t>8/4/2021</a:t>
+              <a:t>9/16/2021</a:t>
             </a:fld>
             <a:endParaRPr lang="en-US" dirty="0"/>
           </a:p>
@@ -37736,6 +37744,1176 @@
           <p:cNvPr id="2" name="Title 1">
             <a:extLst>
               <a:ext uri="{FF2B5EF4-FFF2-40B4-BE49-F238E27FC236}">
+                <a16:creationId xmlns:a16="http://schemas.microsoft.com/office/drawing/2014/main" id="{7CDF908B-E2CC-4549-9836-1E1668CE1ABB}"/>
+              </a:ext>
+            </a:extLst>
+          </p:cNvPr>
+          <p:cNvSpPr>
+            <a:spLocks noGrp="1"/>
+          </p:cNvSpPr>
+          <p:nvPr>
+            <p:ph type="title"/>
+          </p:nvPr>
+        </p:nvSpPr>
+        <p:spPr>
+          <a:xfrm>
+            <a:off x="677334" y="609600"/>
+            <a:ext cx="8596668" cy="917196"/>
+          </a:xfrm>
+        </p:spPr>
+        <p:txBody>
+          <a:bodyPr/>
+          <a:lstStyle/>
+          <a:p>
+            <a:r>
+              <a:rPr lang="en-IN" dirty="0" err="1"/>
+              <a:t>Roughometer</a:t>
+            </a:r>
+            <a:r>
+              <a:rPr lang="en-IN" dirty="0"/>
+              <a:t> (W. RONALD HUDSO)</a:t>
+            </a:r>
+          </a:p>
+        </p:txBody>
+      </p:sp>
+      <p:sp>
+        <p:nvSpPr>
+          <p:cNvPr id="3" name="Content Placeholder 2">
+            <a:extLst>
+              <a:ext uri="{FF2B5EF4-FFF2-40B4-BE49-F238E27FC236}">
+                <a16:creationId xmlns:a16="http://schemas.microsoft.com/office/drawing/2014/main" id="{39F75D8C-29BC-4EE7-84FB-0C42C9E9B842}"/>
+              </a:ext>
+            </a:extLst>
+          </p:cNvPr>
+          <p:cNvSpPr>
+            <a:spLocks noGrp="1"/>
+          </p:cNvSpPr>
+          <p:nvPr>
+            <p:ph idx="1"/>
+          </p:nvPr>
+        </p:nvSpPr>
+        <p:spPr>
+          <a:xfrm>
+            <a:off x="677334" y="1409350"/>
+            <a:ext cx="8596668" cy="4839049"/>
+          </a:xfrm>
+        </p:spPr>
+        <p:txBody>
+          <a:bodyPr>
+            <a:normAutofit lnSpcReduction="10000"/>
+          </a:bodyPr>
+          <a:lstStyle/>
+          <a:p>
+            <a:r>
+              <a:rPr lang="en-US" dirty="0"/>
+              <a:t>The basic </a:t>
+            </a:r>
+            <a:r>
+              <a:rPr lang="en-US" dirty="0" err="1"/>
+              <a:t>roughometer</a:t>
+            </a:r>
+            <a:r>
+              <a:rPr lang="en-US" dirty="0"/>
+              <a:t> used at the AASHO Road Test was constructed by the Bureau of Public Roads.</a:t>
+            </a:r>
+          </a:p>
+          <a:p>
+            <a:r>
+              <a:rPr lang="en-US" dirty="0"/>
+              <a:t>The </a:t>
+            </a:r>
+            <a:r>
+              <a:rPr lang="en-US" dirty="0" err="1"/>
+              <a:t>roughometer</a:t>
+            </a:r>
+            <a:r>
+              <a:rPr lang="en-US" dirty="0"/>
+              <a:t> may be used to estimate two variable s—pre sent serviceability rating and slope variance —associated with roughness</a:t>
+            </a:r>
+          </a:p>
+          <a:p>
+            <a:r>
+              <a:rPr lang="en-IN" dirty="0" err="1"/>
+              <a:t>Roughometer</a:t>
+            </a:r>
+            <a:r>
+              <a:rPr lang="en-IN" dirty="0"/>
+              <a:t> need calibration check regularly to give better readings. </a:t>
+            </a:r>
+          </a:p>
+          <a:p>
+            <a:r>
+              <a:rPr lang="en-US" dirty="0"/>
+              <a:t>One normally applied calibration procedure consists of checking a measuring device against a standard and then adjusting the device either mechanically or electrically until the output is equal to the standard by definition. </a:t>
+            </a:r>
+          </a:p>
+          <a:p>
+            <a:r>
+              <a:rPr lang="en-US" dirty="0"/>
+              <a:t>And second is several known loads are applied to the ring and the corresponding deflections are recorded. This procedure is repeated several times and the mean deflection for a given load is established.</a:t>
+            </a:r>
+          </a:p>
+          <a:p>
+            <a:r>
+              <a:rPr lang="en-US" dirty="0"/>
+              <a:t>A best fitting line is passed through the points and a calibration curve results.</a:t>
+            </a:r>
+          </a:p>
+          <a:p>
+            <a:r>
+              <a:rPr lang="en-US" dirty="0"/>
+              <a:t> From this curve it is then possible to predict an unknown load from a known deflection of the ring. In this type of calibration, an accurate loading platen, such as a Universal testing machine, is used as the standard. </a:t>
+            </a:r>
+          </a:p>
+          <a:p>
+            <a:endParaRPr lang="en-IN" dirty="0"/>
+          </a:p>
+        </p:txBody>
+      </p:sp>
+    </p:spTree>
+    <p:extLst>
+      <p:ext uri="{BB962C8B-B14F-4D97-AF65-F5344CB8AC3E}">
+        <p14:creationId xmlns:p14="http://schemas.microsoft.com/office/powerpoint/2010/main" val="3518635036"/>
+      </p:ext>
+    </p:extLst>
+  </p:cSld>
+  <p:clrMapOvr>
+    <a:masterClrMapping/>
+  </p:clrMapOvr>
+</p:sld>
+</file>
+
+<file path=ppt/slides/slide22.xml><?xml version="1.0" encoding="utf-8"?>
+<p:sld xmlns:a="http://schemas.openxmlformats.org/drawingml/2006/main" xmlns:r="http://schemas.openxmlformats.org/officeDocument/2006/relationships" xmlns:p="http://schemas.openxmlformats.org/presentationml/2006/main">
+  <p:cSld>
+    <p:spTree>
+      <p:nvGrpSpPr>
+        <p:cNvPr id="1" name=""/>
+        <p:cNvGrpSpPr/>
+        <p:nvPr/>
+      </p:nvGrpSpPr>
+      <p:grpSpPr>
+        <a:xfrm>
+          <a:off x="0" y="0"/>
+          <a:ext cx="0" cy="0"/>
+          <a:chOff x="0" y="0"/>
+          <a:chExt cx="0" cy="0"/>
+        </a:xfrm>
+      </p:grpSpPr>
+      <p:sp>
+        <p:nvSpPr>
+          <p:cNvPr id="2" name="Title 1">
+            <a:extLst>
+              <a:ext uri="{FF2B5EF4-FFF2-40B4-BE49-F238E27FC236}">
+                <a16:creationId xmlns:a16="http://schemas.microsoft.com/office/drawing/2014/main" id="{7CDF908B-E2CC-4549-9836-1E1668CE1ABB}"/>
+              </a:ext>
+            </a:extLst>
+          </p:cNvPr>
+          <p:cNvSpPr>
+            <a:spLocks noGrp="1"/>
+          </p:cNvSpPr>
+          <p:nvPr>
+            <p:ph type="title"/>
+          </p:nvPr>
+        </p:nvSpPr>
+        <p:spPr>
+          <a:xfrm>
+            <a:off x="677334" y="609600"/>
+            <a:ext cx="8596668" cy="917196"/>
+          </a:xfrm>
+        </p:spPr>
+        <p:txBody>
+          <a:bodyPr/>
+          <a:lstStyle/>
+          <a:p>
+            <a:r>
+              <a:rPr lang="en-IN" dirty="0" err="1"/>
+              <a:t>Roughometer</a:t>
+            </a:r>
+            <a:r>
+              <a:rPr lang="en-IN" dirty="0"/>
+              <a:t> calibration</a:t>
+            </a:r>
+          </a:p>
+        </p:txBody>
+      </p:sp>
+      <p:sp>
+        <p:nvSpPr>
+          <p:cNvPr id="3" name="Content Placeholder 2">
+            <a:extLst>
+              <a:ext uri="{FF2B5EF4-FFF2-40B4-BE49-F238E27FC236}">
+                <a16:creationId xmlns:a16="http://schemas.microsoft.com/office/drawing/2014/main" id="{39F75D8C-29BC-4EE7-84FB-0C42C9E9B842}"/>
+              </a:ext>
+            </a:extLst>
+          </p:cNvPr>
+          <p:cNvSpPr>
+            <a:spLocks noGrp="1"/>
+          </p:cNvSpPr>
+          <p:nvPr>
+            <p:ph idx="1"/>
+          </p:nvPr>
+        </p:nvSpPr>
+        <p:spPr>
+          <a:xfrm>
+            <a:off x="677334" y="1409351"/>
+            <a:ext cx="8596668" cy="4632012"/>
+          </a:xfrm>
+        </p:spPr>
+        <p:txBody>
+          <a:bodyPr/>
+          <a:lstStyle/>
+          <a:p>
+            <a:r>
+              <a:rPr lang="en-US" dirty="0"/>
+              <a:t>Some instruments, however, are used to record dynamically, and their output depends not only on the accuracy of the static calibration, but also on the method and speed with which the devices react to dynamic excitation.</a:t>
+            </a:r>
+          </a:p>
+          <a:p>
+            <a:r>
+              <a:rPr lang="en-US" dirty="0"/>
+              <a:t>he leaf springs and the integrator of the </a:t>
+            </a:r>
+            <a:r>
+              <a:rPr lang="en-US" dirty="0" err="1"/>
+              <a:t>roughometer</a:t>
+            </a:r>
+            <a:r>
+              <a:rPr lang="en-US" dirty="0"/>
+              <a:t> can be calibrated separately for a known input of deflection or displacement. It is impossible from this static calibration. </a:t>
+            </a:r>
+          </a:p>
+          <a:p>
+            <a:r>
+              <a:rPr lang="en-US" dirty="0"/>
+              <a:t>That’s why </a:t>
+            </a:r>
+            <a:r>
+              <a:rPr lang="en-US" dirty="0" err="1"/>
+              <a:t>roughometer</a:t>
+            </a:r>
+            <a:r>
+              <a:rPr lang="en-US" dirty="0"/>
+              <a:t> comes under the category of dynamic calibration. </a:t>
+            </a:r>
+          </a:p>
+          <a:p>
+            <a:r>
+              <a:rPr lang="en-US" dirty="0"/>
+              <a:t>As the </a:t>
+            </a:r>
+            <a:r>
+              <a:rPr lang="en-US" dirty="0" err="1"/>
+              <a:t>roughometer</a:t>
+            </a:r>
+            <a:r>
+              <a:rPr lang="en-US" dirty="0"/>
+              <a:t> was used it became more apparent that the variability in indicated roughness made it impossible to record the actual roughness history of test sections with the desired degree of accuracy. It was clear that a method of dynamic calibration had to be developed if the </a:t>
+            </a:r>
+            <a:r>
+              <a:rPr lang="en-US" dirty="0" err="1"/>
+              <a:t>roughometer</a:t>
+            </a:r>
+            <a:r>
+              <a:rPr lang="en-US" dirty="0"/>
+              <a:t> was to become a useful tool at the Road Test.</a:t>
+            </a:r>
+          </a:p>
+          <a:p>
+            <a:endParaRPr lang="en-IN" dirty="0"/>
+          </a:p>
+        </p:txBody>
+      </p:sp>
+    </p:spTree>
+    <p:extLst>
+      <p:ext uri="{BB962C8B-B14F-4D97-AF65-F5344CB8AC3E}">
+        <p14:creationId xmlns:p14="http://schemas.microsoft.com/office/powerpoint/2010/main" val="1560255637"/>
+      </p:ext>
+    </p:extLst>
+  </p:cSld>
+  <p:clrMapOvr>
+    <a:masterClrMapping/>
+  </p:clrMapOvr>
+</p:sld>
+</file>
+
+<file path=ppt/slides/slide23.xml><?xml version="1.0" encoding="utf-8"?>
+<p:sld xmlns:a="http://schemas.openxmlformats.org/drawingml/2006/main" xmlns:r="http://schemas.openxmlformats.org/officeDocument/2006/relationships" xmlns:p="http://schemas.openxmlformats.org/presentationml/2006/main">
+  <p:cSld>
+    <p:spTree>
+      <p:nvGrpSpPr>
+        <p:cNvPr id="1" name=""/>
+        <p:cNvGrpSpPr/>
+        <p:nvPr/>
+      </p:nvGrpSpPr>
+      <p:grpSpPr>
+        <a:xfrm>
+          <a:off x="0" y="0"/>
+          <a:ext cx="0" cy="0"/>
+          <a:chOff x="0" y="0"/>
+          <a:chExt cx="0" cy="0"/>
+        </a:xfrm>
+      </p:grpSpPr>
+      <p:sp>
+        <p:nvSpPr>
+          <p:cNvPr id="2" name="Title 1">
+            <a:extLst>
+              <a:ext uri="{FF2B5EF4-FFF2-40B4-BE49-F238E27FC236}">
+                <a16:creationId xmlns:a16="http://schemas.microsoft.com/office/drawing/2014/main" id="{7CDF908B-E2CC-4549-9836-1E1668CE1ABB}"/>
+              </a:ext>
+            </a:extLst>
+          </p:cNvPr>
+          <p:cNvSpPr>
+            <a:spLocks noGrp="1"/>
+          </p:cNvSpPr>
+          <p:nvPr>
+            <p:ph type="title"/>
+          </p:nvPr>
+        </p:nvSpPr>
+        <p:spPr>
+          <a:xfrm>
+            <a:off x="677334" y="609600"/>
+            <a:ext cx="8596668" cy="917196"/>
+          </a:xfrm>
+        </p:spPr>
+        <p:txBody>
+          <a:bodyPr/>
+          <a:lstStyle/>
+          <a:p>
+            <a:r>
+              <a:rPr lang="en-IN" dirty="0" err="1"/>
+              <a:t>Roughometer</a:t>
+            </a:r>
+            <a:r>
+              <a:rPr lang="en-IN" dirty="0"/>
+              <a:t> calibration</a:t>
+            </a:r>
+          </a:p>
+        </p:txBody>
+      </p:sp>
+      <p:sp>
+        <p:nvSpPr>
+          <p:cNvPr id="3" name="Content Placeholder 2">
+            <a:extLst>
+              <a:ext uri="{FF2B5EF4-FFF2-40B4-BE49-F238E27FC236}">
+                <a16:creationId xmlns:a16="http://schemas.microsoft.com/office/drawing/2014/main" id="{39F75D8C-29BC-4EE7-84FB-0C42C9E9B842}"/>
+              </a:ext>
+            </a:extLst>
+          </p:cNvPr>
+          <p:cNvSpPr>
+            <a:spLocks noGrp="1"/>
+          </p:cNvSpPr>
+          <p:nvPr>
+            <p:ph idx="1"/>
+          </p:nvPr>
+        </p:nvSpPr>
+        <p:spPr>
+          <a:xfrm>
+            <a:off x="677334" y="1409351"/>
+            <a:ext cx="8596668" cy="4632012"/>
+          </a:xfrm>
+        </p:spPr>
+        <p:txBody>
+          <a:bodyPr/>
+          <a:lstStyle/>
+          <a:p>
+            <a:r>
+              <a:rPr lang="en-US" dirty="0"/>
+              <a:t>Theoretically it is possible to calibrate the </a:t>
+            </a:r>
+            <a:r>
+              <a:rPr lang="en-US" dirty="0" err="1"/>
+              <a:t>roughometer</a:t>
+            </a:r>
+            <a:r>
+              <a:rPr lang="en-US" dirty="0"/>
+              <a:t> directly against the profilometer every day. This, however, would lost the purpose of using the </a:t>
+            </a:r>
+            <a:r>
+              <a:rPr lang="en-US" dirty="0" err="1"/>
+              <a:t>roughometer</a:t>
+            </a:r>
+            <a:r>
+              <a:rPr lang="en-US" dirty="0"/>
+              <a:t> instead of rod and level. </a:t>
+            </a:r>
+          </a:p>
+          <a:p>
+            <a:r>
+              <a:rPr lang="en-US" dirty="0"/>
+              <a:t>So, It was required to setup something quick to calibrate </a:t>
+            </a:r>
+            <a:r>
+              <a:rPr lang="en-US" dirty="0" err="1"/>
+              <a:t>roughometer</a:t>
+            </a:r>
+            <a:r>
+              <a:rPr lang="en-US" dirty="0"/>
+              <a:t>. </a:t>
+            </a:r>
+          </a:p>
+          <a:p>
+            <a:r>
+              <a:rPr lang="en-US" dirty="0"/>
+              <a:t>If the control charts show the </a:t>
+            </a:r>
+            <a:r>
+              <a:rPr lang="en-US" dirty="0" err="1"/>
+              <a:t>roughometer</a:t>
+            </a:r>
+            <a:r>
+              <a:rPr lang="en-US" dirty="0"/>
+              <a:t> to be out of control, the output must be adjusted to bring it into control. By trial and error, tire pressure, travel speed or mechanical parts can be adjusted until the </a:t>
+            </a:r>
+            <a:r>
+              <a:rPr lang="en-US" dirty="0" err="1"/>
+              <a:t>roughometer</a:t>
+            </a:r>
+            <a:r>
+              <a:rPr lang="en-US" dirty="0"/>
+              <a:t> reads the calibration course correctly. </a:t>
+            </a:r>
+          </a:p>
+          <a:p>
+            <a:r>
+              <a:rPr lang="en-US" dirty="0"/>
+              <a:t>Experimentation with the </a:t>
+            </a:r>
+            <a:r>
+              <a:rPr lang="en-US" dirty="0" err="1"/>
+              <a:t>roughometer</a:t>
+            </a:r>
+            <a:r>
+              <a:rPr lang="en-US" dirty="0"/>
+              <a:t> indicated that the variation on any one day might not be constant throughout the entire range of roughness.</a:t>
+            </a:r>
+          </a:p>
+          <a:p>
+            <a:r>
+              <a:rPr lang="en-US" dirty="0"/>
+              <a:t>four calibration sections were set up: smooth (80 to 100 in. per mi), medium 35 (100 to 160 in. per mi), medium rough (180 to 200 in. per mi) and rough (230 to 250 in. per mi).</a:t>
+            </a:r>
+            <a:endParaRPr lang="en-IN" dirty="0"/>
+          </a:p>
+        </p:txBody>
+      </p:sp>
+    </p:spTree>
+    <p:extLst>
+      <p:ext uri="{BB962C8B-B14F-4D97-AF65-F5344CB8AC3E}">
+        <p14:creationId xmlns:p14="http://schemas.microsoft.com/office/powerpoint/2010/main" val="2586789607"/>
+      </p:ext>
+    </p:extLst>
+  </p:cSld>
+  <p:clrMapOvr>
+    <a:masterClrMapping/>
+  </p:clrMapOvr>
+</p:sld>
+</file>
+
+<file path=ppt/slides/slide24.xml><?xml version="1.0" encoding="utf-8"?>
+<p:sld xmlns:a="http://schemas.openxmlformats.org/drawingml/2006/main" xmlns:r="http://schemas.openxmlformats.org/officeDocument/2006/relationships" xmlns:p="http://schemas.openxmlformats.org/presentationml/2006/main">
+  <p:cSld>
+    <p:spTree>
+      <p:nvGrpSpPr>
+        <p:cNvPr id="1" name=""/>
+        <p:cNvGrpSpPr/>
+        <p:nvPr/>
+      </p:nvGrpSpPr>
+      <p:grpSpPr>
+        <a:xfrm>
+          <a:off x="0" y="0"/>
+          <a:ext cx="0" cy="0"/>
+          <a:chOff x="0" y="0"/>
+          <a:chExt cx="0" cy="0"/>
+        </a:xfrm>
+      </p:grpSpPr>
+      <p:sp>
+        <p:nvSpPr>
+          <p:cNvPr id="2" name="Title 1">
+            <a:extLst>
+              <a:ext uri="{FF2B5EF4-FFF2-40B4-BE49-F238E27FC236}">
+                <a16:creationId xmlns:a16="http://schemas.microsoft.com/office/drawing/2014/main" id="{7CDF908B-E2CC-4549-9836-1E1668CE1ABB}"/>
+              </a:ext>
+            </a:extLst>
+          </p:cNvPr>
+          <p:cNvSpPr>
+            <a:spLocks noGrp="1"/>
+          </p:cNvSpPr>
+          <p:nvPr>
+            <p:ph type="title"/>
+          </p:nvPr>
+        </p:nvSpPr>
+        <p:spPr>
+          <a:xfrm>
+            <a:off x="677334" y="609600"/>
+            <a:ext cx="8596668" cy="917196"/>
+          </a:xfrm>
+        </p:spPr>
+        <p:txBody>
+          <a:bodyPr/>
+          <a:lstStyle/>
+          <a:p>
+            <a:r>
+              <a:rPr lang="en-IN" dirty="0" err="1"/>
+              <a:t>Roughometer</a:t>
+            </a:r>
+            <a:r>
+              <a:rPr lang="en-IN" dirty="0"/>
+              <a:t> calibration</a:t>
+            </a:r>
+          </a:p>
+        </p:txBody>
+      </p:sp>
+      <p:sp>
+        <p:nvSpPr>
+          <p:cNvPr id="3" name="Content Placeholder 2">
+            <a:extLst>
+              <a:ext uri="{FF2B5EF4-FFF2-40B4-BE49-F238E27FC236}">
+                <a16:creationId xmlns:a16="http://schemas.microsoft.com/office/drawing/2014/main" id="{39F75D8C-29BC-4EE7-84FB-0C42C9E9B842}"/>
+              </a:ext>
+            </a:extLst>
+          </p:cNvPr>
+          <p:cNvSpPr>
+            <a:spLocks noGrp="1"/>
+          </p:cNvSpPr>
+          <p:nvPr>
+            <p:ph idx="1"/>
+          </p:nvPr>
+        </p:nvSpPr>
+        <p:spPr>
+          <a:xfrm>
+            <a:off x="677334" y="1409351"/>
+            <a:ext cx="8596668" cy="4632012"/>
+          </a:xfrm>
+        </p:spPr>
+        <p:txBody>
+          <a:bodyPr/>
+          <a:lstStyle/>
+          <a:p>
+            <a:r>
+              <a:rPr lang="en-US" dirty="0"/>
+              <a:t>the primary factor involved is that the course must remain constant in roughness. Secondly, the four sections should be adjacent for convenience</a:t>
+            </a:r>
+          </a:p>
+          <a:p>
+            <a:r>
+              <a:rPr lang="en-IN" dirty="0"/>
+              <a:t>The pavement chosen was of Portland cement with light traffic so that roughness of the road will not change much in coming years. </a:t>
+            </a:r>
+          </a:p>
+          <a:p>
+            <a:r>
+              <a:rPr lang="en-US" dirty="0"/>
+              <a:t>To simulate roughness, a series of artificial bumps were installed which could be standardized for use elsewhere. Bars of tempered aluminum were chosen as readily available and corrosion resistant. Bars of varying width and height were used to simulate various types and severity of bumps, and the proper number of bumps required to produce the range of roughness desired was installed.</a:t>
+            </a:r>
+          </a:p>
+          <a:p>
+            <a:endParaRPr lang="en-IN" dirty="0"/>
+          </a:p>
+        </p:txBody>
+      </p:sp>
+      <p:pic>
+        <p:nvPicPr>
+          <p:cNvPr id="5" name="Picture 4">
+            <a:extLst>
+              <a:ext uri="{FF2B5EF4-FFF2-40B4-BE49-F238E27FC236}">
+                <a16:creationId xmlns:a16="http://schemas.microsoft.com/office/drawing/2014/main" id="{F63548F7-D3BF-4CC2-80C2-ED0F4FDCDA30}"/>
+              </a:ext>
+            </a:extLst>
+          </p:cNvPr>
+          <p:cNvPicPr>
+            <a:picLocks noChangeAspect="1"/>
+          </p:cNvPicPr>
+          <p:nvPr/>
+        </p:nvPicPr>
+        <p:blipFill>
+          <a:blip r:embed="rId2"/>
+          <a:stretch>
+            <a:fillRect/>
+          </a:stretch>
+        </p:blipFill>
+        <p:spPr>
+          <a:xfrm>
+            <a:off x="3800213" y="4252187"/>
+            <a:ext cx="3560487" cy="2392924"/>
+          </a:xfrm>
+          <a:prstGeom prst="rect">
+            <a:avLst/>
+          </a:prstGeom>
+        </p:spPr>
+      </p:pic>
+    </p:spTree>
+    <p:extLst>
+      <p:ext uri="{BB962C8B-B14F-4D97-AF65-F5344CB8AC3E}">
+        <p14:creationId xmlns:p14="http://schemas.microsoft.com/office/powerpoint/2010/main" val="3201043828"/>
+      </p:ext>
+    </p:extLst>
+  </p:cSld>
+  <p:clrMapOvr>
+    <a:masterClrMapping/>
+  </p:clrMapOvr>
+</p:sld>
+</file>
+
+<file path=ppt/slides/slide25.xml><?xml version="1.0" encoding="utf-8"?>
+<p:sld xmlns:a="http://schemas.openxmlformats.org/drawingml/2006/main" xmlns:r="http://schemas.openxmlformats.org/officeDocument/2006/relationships" xmlns:p="http://schemas.openxmlformats.org/presentationml/2006/main">
+  <p:cSld>
+    <p:spTree>
+      <p:nvGrpSpPr>
+        <p:cNvPr id="1" name=""/>
+        <p:cNvGrpSpPr/>
+        <p:nvPr/>
+      </p:nvGrpSpPr>
+      <p:grpSpPr>
+        <a:xfrm>
+          <a:off x="0" y="0"/>
+          <a:ext cx="0" cy="0"/>
+          <a:chOff x="0" y="0"/>
+          <a:chExt cx="0" cy="0"/>
+        </a:xfrm>
+      </p:grpSpPr>
+      <p:sp>
+        <p:nvSpPr>
+          <p:cNvPr id="2" name="Title 1">
+            <a:extLst>
+              <a:ext uri="{FF2B5EF4-FFF2-40B4-BE49-F238E27FC236}">
+                <a16:creationId xmlns:a16="http://schemas.microsoft.com/office/drawing/2014/main" id="{7CDF908B-E2CC-4549-9836-1E1668CE1ABB}"/>
+              </a:ext>
+            </a:extLst>
+          </p:cNvPr>
+          <p:cNvSpPr>
+            <a:spLocks noGrp="1"/>
+          </p:cNvSpPr>
+          <p:nvPr>
+            <p:ph type="title"/>
+          </p:nvPr>
+        </p:nvSpPr>
+        <p:spPr>
+          <a:xfrm>
+            <a:off x="677334" y="609600"/>
+            <a:ext cx="8596668" cy="917196"/>
+          </a:xfrm>
+        </p:spPr>
+        <p:txBody>
+          <a:bodyPr/>
+          <a:lstStyle/>
+          <a:p>
+            <a:r>
+              <a:rPr lang="en-IN" dirty="0"/>
+              <a:t>Steps in Calibration Procedure</a:t>
+            </a:r>
+          </a:p>
+        </p:txBody>
+      </p:sp>
+      <p:sp>
+        <p:nvSpPr>
+          <p:cNvPr id="3" name="Content Placeholder 2">
+            <a:extLst>
+              <a:ext uri="{FF2B5EF4-FFF2-40B4-BE49-F238E27FC236}">
+                <a16:creationId xmlns:a16="http://schemas.microsoft.com/office/drawing/2014/main" id="{39F75D8C-29BC-4EE7-84FB-0C42C9E9B842}"/>
+              </a:ext>
+            </a:extLst>
+          </p:cNvPr>
+          <p:cNvSpPr>
+            <a:spLocks noGrp="1"/>
+          </p:cNvSpPr>
+          <p:nvPr>
+            <p:ph idx="1"/>
+          </p:nvPr>
+        </p:nvSpPr>
+        <p:spPr>
+          <a:xfrm>
+            <a:off x="677334" y="1409351"/>
+            <a:ext cx="7292207" cy="4632012"/>
+          </a:xfrm>
+        </p:spPr>
+        <p:txBody>
+          <a:bodyPr/>
+          <a:lstStyle/>
+          <a:p>
+            <a:r>
+              <a:rPr lang="en-US" dirty="0"/>
+              <a:t>Run the </a:t>
+            </a:r>
+            <a:r>
+              <a:rPr lang="en-US" dirty="0" err="1"/>
+              <a:t>roughometer</a:t>
+            </a:r>
+            <a:r>
+              <a:rPr lang="en-US" dirty="0"/>
+              <a:t> at least 1 mi to get the whole system warmed up and eliminate any flat spot developed in the tire.</a:t>
+            </a:r>
+          </a:p>
+          <a:p>
+            <a:r>
+              <a:rPr lang="en-US" dirty="0"/>
+              <a:t>Run the four calibration sections, which are laid out in random order, three times in each direction for a total of six readings on each course. (Using both directions is a convenience). </a:t>
+            </a:r>
+          </a:p>
+          <a:p>
+            <a:r>
+              <a:rPr lang="en-US" dirty="0"/>
+              <a:t>Average the six runs for each course and convert the four averages to AR10 (in. per mile). </a:t>
+            </a:r>
+          </a:p>
+          <a:p>
+            <a:r>
+              <a:rPr lang="en-US" dirty="0"/>
+              <a:t>Plot the average indicated roughness for each section against the constant roughness for that section.</a:t>
+            </a:r>
+          </a:p>
+          <a:p>
+            <a:r>
+              <a:rPr lang="en-US" dirty="0"/>
+              <a:t>The least squares regression line for these points becomes a calibration or correction factor from which the output on any test section can be corrected to the standard</a:t>
+            </a:r>
+          </a:p>
+          <a:p>
+            <a:endParaRPr lang="en-IN" dirty="0"/>
+          </a:p>
+        </p:txBody>
+      </p:sp>
+      <p:pic>
+        <p:nvPicPr>
+          <p:cNvPr id="6" name="Picture 5">
+            <a:extLst>
+              <a:ext uri="{FF2B5EF4-FFF2-40B4-BE49-F238E27FC236}">
+                <a16:creationId xmlns:a16="http://schemas.microsoft.com/office/drawing/2014/main" id="{EBF85CD1-751A-411B-AF8B-12FF9FCFB767}"/>
+              </a:ext>
+            </a:extLst>
+          </p:cNvPr>
+          <p:cNvPicPr>
+            <a:picLocks noChangeAspect="1"/>
+          </p:cNvPicPr>
+          <p:nvPr/>
+        </p:nvPicPr>
+        <p:blipFill>
+          <a:blip r:embed="rId2"/>
+          <a:stretch>
+            <a:fillRect/>
+          </a:stretch>
+        </p:blipFill>
+        <p:spPr>
+          <a:xfrm>
+            <a:off x="8048360" y="1526796"/>
+            <a:ext cx="3755746" cy="3682326"/>
+          </a:xfrm>
+          <a:prstGeom prst="rect">
+            <a:avLst/>
+          </a:prstGeom>
+        </p:spPr>
+      </p:pic>
+    </p:spTree>
+    <p:extLst>
+      <p:ext uri="{BB962C8B-B14F-4D97-AF65-F5344CB8AC3E}">
+        <p14:creationId xmlns:p14="http://schemas.microsoft.com/office/powerpoint/2010/main" val="3458743072"/>
+      </p:ext>
+    </p:extLst>
+  </p:cSld>
+  <p:clrMapOvr>
+    <a:masterClrMapping/>
+  </p:clrMapOvr>
+</p:sld>
+</file>
+
+<file path=ppt/slides/slide26.xml><?xml version="1.0" encoding="utf-8"?>
+<p:sld xmlns:a="http://schemas.openxmlformats.org/drawingml/2006/main" xmlns:r="http://schemas.openxmlformats.org/officeDocument/2006/relationships" xmlns:p="http://schemas.openxmlformats.org/presentationml/2006/main">
+  <p:cSld>
+    <p:spTree>
+      <p:nvGrpSpPr>
+        <p:cNvPr id="1" name=""/>
+        <p:cNvGrpSpPr/>
+        <p:nvPr/>
+      </p:nvGrpSpPr>
+      <p:grpSpPr>
+        <a:xfrm>
+          <a:off x="0" y="0"/>
+          <a:ext cx="0" cy="0"/>
+          <a:chOff x="0" y="0"/>
+          <a:chExt cx="0" cy="0"/>
+        </a:xfrm>
+      </p:grpSpPr>
+      <p:sp>
+        <p:nvSpPr>
+          <p:cNvPr id="2" name="Title 1">
+            <a:extLst>
+              <a:ext uri="{FF2B5EF4-FFF2-40B4-BE49-F238E27FC236}">
+                <a16:creationId xmlns:a16="http://schemas.microsoft.com/office/drawing/2014/main" id="{7CDF908B-E2CC-4549-9836-1E1668CE1ABB}"/>
+              </a:ext>
+            </a:extLst>
+          </p:cNvPr>
+          <p:cNvSpPr>
+            <a:spLocks noGrp="1"/>
+          </p:cNvSpPr>
+          <p:nvPr>
+            <p:ph type="title"/>
+          </p:nvPr>
+        </p:nvSpPr>
+        <p:spPr>
+          <a:xfrm>
+            <a:off x="677334" y="609600"/>
+            <a:ext cx="8596668" cy="917196"/>
+          </a:xfrm>
+        </p:spPr>
+        <p:txBody>
+          <a:bodyPr/>
+          <a:lstStyle/>
+          <a:p>
+            <a:r>
+              <a:rPr lang="en-IN" dirty="0"/>
+              <a:t>Steps in Calibration Procedure</a:t>
+            </a:r>
+          </a:p>
+        </p:txBody>
+      </p:sp>
+      <p:sp>
+        <p:nvSpPr>
+          <p:cNvPr id="3" name="Content Placeholder 2">
+            <a:extLst>
+              <a:ext uri="{FF2B5EF4-FFF2-40B4-BE49-F238E27FC236}">
+                <a16:creationId xmlns:a16="http://schemas.microsoft.com/office/drawing/2014/main" id="{39F75D8C-29BC-4EE7-84FB-0C42C9E9B842}"/>
+              </a:ext>
+            </a:extLst>
+          </p:cNvPr>
+          <p:cNvSpPr>
+            <a:spLocks noGrp="1"/>
+          </p:cNvSpPr>
+          <p:nvPr>
+            <p:ph idx="1"/>
+          </p:nvPr>
+        </p:nvSpPr>
+        <p:spPr>
+          <a:xfrm>
+            <a:off x="677334" y="1409351"/>
+            <a:ext cx="9272009" cy="4632012"/>
+          </a:xfrm>
+        </p:spPr>
+        <p:txBody>
+          <a:bodyPr/>
+          <a:lstStyle/>
+          <a:p>
+            <a:r>
+              <a:rPr lang="en-US" dirty="0"/>
+              <a:t>An assumption about the calibration course is that its roughness is not changing. This can be true by definition, as in the case of a meter bar in the Bureau of Standards, or the variation in roughness can be acceptably small.</a:t>
+            </a:r>
+          </a:p>
+          <a:p>
+            <a:r>
+              <a:rPr lang="en-US" dirty="0"/>
+              <a:t>However, as long as it can be assumed that the relationship between the original corrected roughness and SV still holds, this need not be done. It will reduce our efforts of doing rod and level survey every time. </a:t>
+            </a:r>
+          </a:p>
+          <a:p>
+            <a:endParaRPr lang="en-IN" dirty="0"/>
+          </a:p>
+        </p:txBody>
+      </p:sp>
+      <p:pic>
+        <p:nvPicPr>
+          <p:cNvPr id="5" name="Picture 4">
+            <a:extLst>
+              <a:ext uri="{FF2B5EF4-FFF2-40B4-BE49-F238E27FC236}">
+                <a16:creationId xmlns:a16="http://schemas.microsoft.com/office/drawing/2014/main" id="{7DC3B0A8-635E-4EC7-84D8-8DD7847E6232}"/>
+              </a:ext>
+            </a:extLst>
+          </p:cNvPr>
+          <p:cNvPicPr>
+            <a:picLocks noChangeAspect="1"/>
+          </p:cNvPicPr>
+          <p:nvPr/>
+        </p:nvPicPr>
+        <p:blipFill>
+          <a:blip r:embed="rId2"/>
+          <a:stretch>
+            <a:fillRect/>
+          </a:stretch>
+        </p:blipFill>
+        <p:spPr>
+          <a:xfrm>
+            <a:off x="1040235" y="3429000"/>
+            <a:ext cx="7108272" cy="3113801"/>
+          </a:xfrm>
+          <a:prstGeom prst="rect">
+            <a:avLst/>
+          </a:prstGeom>
+        </p:spPr>
+      </p:pic>
+    </p:spTree>
+    <p:extLst>
+      <p:ext uri="{BB962C8B-B14F-4D97-AF65-F5344CB8AC3E}">
+        <p14:creationId xmlns:p14="http://schemas.microsoft.com/office/powerpoint/2010/main" val="1362396535"/>
+      </p:ext>
+    </p:extLst>
+  </p:cSld>
+  <p:clrMapOvr>
+    <a:masterClrMapping/>
+  </p:clrMapOvr>
+</p:sld>
+</file>
+
+<file path=ppt/slides/slide27.xml><?xml version="1.0" encoding="utf-8"?>
+<p:sld xmlns:a="http://schemas.openxmlformats.org/drawingml/2006/main" xmlns:r="http://schemas.openxmlformats.org/officeDocument/2006/relationships" xmlns:p="http://schemas.openxmlformats.org/presentationml/2006/main">
+  <p:cSld>
+    <p:spTree>
+      <p:nvGrpSpPr>
+        <p:cNvPr id="1" name=""/>
+        <p:cNvGrpSpPr/>
+        <p:nvPr/>
+      </p:nvGrpSpPr>
+      <p:grpSpPr>
+        <a:xfrm>
+          <a:off x="0" y="0"/>
+          <a:ext cx="0" cy="0"/>
+          <a:chOff x="0" y="0"/>
+          <a:chExt cx="0" cy="0"/>
+        </a:xfrm>
+      </p:grpSpPr>
+      <p:sp>
+        <p:nvSpPr>
+          <p:cNvPr id="2" name="Title 1">
+            <a:extLst>
+              <a:ext uri="{FF2B5EF4-FFF2-40B4-BE49-F238E27FC236}">
+                <a16:creationId xmlns:a16="http://schemas.microsoft.com/office/drawing/2014/main" id="{7CDF908B-E2CC-4549-9836-1E1668CE1ABB}"/>
+              </a:ext>
+            </a:extLst>
+          </p:cNvPr>
+          <p:cNvSpPr>
+            <a:spLocks noGrp="1"/>
+          </p:cNvSpPr>
+          <p:nvPr>
+            <p:ph type="title"/>
+          </p:nvPr>
+        </p:nvSpPr>
+        <p:spPr>
+          <a:xfrm>
+            <a:off x="677334" y="609600"/>
+            <a:ext cx="8596668" cy="917196"/>
+          </a:xfrm>
+        </p:spPr>
+        <p:txBody>
+          <a:bodyPr>
+            <a:normAutofit fontScale="90000"/>
+          </a:bodyPr>
+          <a:lstStyle/>
+          <a:p>
+            <a:r>
+              <a:rPr lang="en-US" dirty="0"/>
+              <a:t>Setting up a Permanent Calibration Course</a:t>
+            </a:r>
+            <a:endParaRPr lang="en-IN" dirty="0"/>
+          </a:p>
+        </p:txBody>
+      </p:sp>
+      <p:sp>
+        <p:nvSpPr>
+          <p:cNvPr id="3" name="Content Placeholder 2">
+            <a:extLst>
+              <a:ext uri="{FF2B5EF4-FFF2-40B4-BE49-F238E27FC236}">
+                <a16:creationId xmlns:a16="http://schemas.microsoft.com/office/drawing/2014/main" id="{39F75D8C-29BC-4EE7-84FB-0C42C9E9B842}"/>
+              </a:ext>
+            </a:extLst>
+          </p:cNvPr>
+          <p:cNvSpPr>
+            <a:spLocks noGrp="1"/>
+          </p:cNvSpPr>
+          <p:nvPr>
+            <p:ph idx="1"/>
+          </p:nvPr>
+        </p:nvSpPr>
+        <p:spPr>
+          <a:xfrm>
+            <a:off x="677334" y="1409351"/>
+            <a:ext cx="9272009" cy="4632012"/>
+          </a:xfrm>
+        </p:spPr>
+        <p:txBody>
+          <a:bodyPr/>
+          <a:lstStyle/>
+          <a:p>
+            <a:r>
+              <a:rPr lang="en-US" dirty="0"/>
+              <a:t>There is no previous experience to indicate exactly how to establish such a course.</a:t>
+            </a:r>
+          </a:p>
+          <a:p>
+            <a:r>
+              <a:rPr lang="en-US" dirty="0"/>
+              <a:t>Possibly a continuously reinforced concrete pavement would do the job successfully. </a:t>
+            </a:r>
+          </a:p>
+          <a:p>
+            <a:r>
+              <a:rPr lang="en-US" dirty="0"/>
+              <a:t>It would probably be helpful to locate the calibration course on a residential street, which would have some loo continuous traffic of low magnitude to 2 serve as conditioning traffic. </a:t>
+            </a:r>
+          </a:p>
+          <a:p>
+            <a:endParaRPr lang="en-IN" dirty="0"/>
+          </a:p>
+        </p:txBody>
+      </p:sp>
+      <p:pic>
+        <p:nvPicPr>
+          <p:cNvPr id="6" name="Picture 5">
+            <a:extLst>
+              <a:ext uri="{FF2B5EF4-FFF2-40B4-BE49-F238E27FC236}">
+                <a16:creationId xmlns:a16="http://schemas.microsoft.com/office/drawing/2014/main" id="{41B3B5CD-A906-42DA-88B3-664FE6145D99}"/>
+              </a:ext>
+            </a:extLst>
+          </p:cNvPr>
+          <p:cNvPicPr>
+            <a:picLocks noChangeAspect="1"/>
+          </p:cNvPicPr>
+          <p:nvPr/>
+        </p:nvPicPr>
+        <p:blipFill>
+          <a:blip r:embed="rId2"/>
+          <a:stretch>
+            <a:fillRect/>
+          </a:stretch>
+        </p:blipFill>
+        <p:spPr>
+          <a:xfrm>
+            <a:off x="3421910" y="2897640"/>
+            <a:ext cx="5348180" cy="3842914"/>
+          </a:xfrm>
+          <a:prstGeom prst="rect">
+            <a:avLst/>
+          </a:prstGeom>
+        </p:spPr>
+      </p:pic>
+    </p:spTree>
+    <p:extLst>
+      <p:ext uri="{BB962C8B-B14F-4D97-AF65-F5344CB8AC3E}">
+        <p14:creationId xmlns:p14="http://schemas.microsoft.com/office/powerpoint/2010/main" val="3667982884"/>
+      </p:ext>
+    </p:extLst>
+  </p:cSld>
+  <p:clrMapOvr>
+    <a:masterClrMapping/>
+  </p:clrMapOvr>
+</p:sld>
+</file>
+
+<file path=ppt/slides/slide28.xml><?xml version="1.0" encoding="utf-8"?>
+<p:sld xmlns:a="http://schemas.openxmlformats.org/drawingml/2006/main" xmlns:r="http://schemas.openxmlformats.org/officeDocument/2006/relationships" xmlns:p="http://schemas.openxmlformats.org/presentationml/2006/main">
+  <p:cSld>
+    <p:spTree>
+      <p:nvGrpSpPr>
+        <p:cNvPr id="1" name=""/>
+        <p:cNvGrpSpPr/>
+        <p:nvPr/>
+      </p:nvGrpSpPr>
+      <p:grpSpPr>
+        <a:xfrm>
+          <a:off x="0" y="0"/>
+          <a:ext cx="0" cy="0"/>
+          <a:chOff x="0" y="0"/>
+          <a:chExt cx="0" cy="0"/>
+        </a:xfrm>
+      </p:grpSpPr>
+      <p:sp>
+        <p:nvSpPr>
+          <p:cNvPr id="2" name="Title 1">
+            <a:extLst>
+              <a:ext uri="{FF2B5EF4-FFF2-40B4-BE49-F238E27FC236}">
+                <a16:creationId xmlns:a16="http://schemas.microsoft.com/office/drawing/2014/main" id="{2EBAD14B-D069-4D26-B8DB-0CF77A182B7A}"/>
+              </a:ext>
+            </a:extLst>
+          </p:cNvPr>
+          <p:cNvSpPr>
+            <a:spLocks noGrp="1"/>
+          </p:cNvSpPr>
+          <p:nvPr>
+            <p:ph type="title"/>
+          </p:nvPr>
+        </p:nvSpPr>
+        <p:spPr>
+          <a:xfrm>
+            <a:off x="677334" y="609600"/>
+            <a:ext cx="8596668" cy="606804"/>
+          </a:xfrm>
+        </p:spPr>
+        <p:txBody>
+          <a:bodyPr>
+            <a:normAutofit fontScale="90000"/>
+          </a:bodyPr>
+          <a:lstStyle/>
+          <a:p>
+            <a:r>
+              <a:rPr lang="en-IN" dirty="0" err="1"/>
+              <a:t>Programm</a:t>
+            </a:r>
+            <a:r>
+              <a:rPr lang="en-IN" dirty="0"/>
+              <a:t> to calculate IRI (IRI manual)</a:t>
+            </a:r>
+          </a:p>
+        </p:txBody>
+      </p:sp>
+      <p:pic>
+        <p:nvPicPr>
+          <p:cNvPr id="5" name="Content Placeholder 4">
+            <a:extLst>
+              <a:ext uri="{FF2B5EF4-FFF2-40B4-BE49-F238E27FC236}">
+                <a16:creationId xmlns:a16="http://schemas.microsoft.com/office/drawing/2014/main" id="{7A42BA6C-FA5D-41F3-9024-56C63C8FA3BC}"/>
+              </a:ext>
+            </a:extLst>
+          </p:cNvPr>
+          <p:cNvPicPr>
+            <a:picLocks noGrp="1" noChangeAspect="1"/>
+          </p:cNvPicPr>
+          <p:nvPr>
+            <p:ph idx="1"/>
+          </p:nvPr>
+        </p:nvPicPr>
+        <p:blipFill>
+          <a:blip r:embed="rId2"/>
+          <a:stretch>
+            <a:fillRect/>
+          </a:stretch>
+        </p:blipFill>
+        <p:spPr>
+          <a:xfrm>
+            <a:off x="3147315" y="1216404"/>
+            <a:ext cx="4293720" cy="5597740"/>
+          </a:xfrm>
+        </p:spPr>
+      </p:pic>
+    </p:spTree>
+    <p:extLst>
+      <p:ext uri="{BB962C8B-B14F-4D97-AF65-F5344CB8AC3E}">
+        <p14:creationId xmlns:p14="http://schemas.microsoft.com/office/powerpoint/2010/main" val="326703454"/>
+      </p:ext>
+    </p:extLst>
+  </p:cSld>
+  <p:clrMapOvr>
+    <a:masterClrMapping/>
+  </p:clrMapOvr>
+</p:sld>
+</file>
+
+<file path=ppt/slides/slide29.xml><?xml version="1.0" encoding="utf-8"?>
+<p:sld xmlns:a="http://schemas.openxmlformats.org/drawingml/2006/main" xmlns:r="http://schemas.openxmlformats.org/officeDocument/2006/relationships" xmlns:p="http://schemas.openxmlformats.org/presentationml/2006/main">
+  <p:cSld>
+    <p:spTree>
+      <p:nvGrpSpPr>
+        <p:cNvPr id="1" name=""/>
+        <p:cNvGrpSpPr/>
+        <p:nvPr/>
+      </p:nvGrpSpPr>
+      <p:grpSpPr>
+        <a:xfrm>
+          <a:off x="0" y="0"/>
+          <a:ext cx="0" cy="0"/>
+          <a:chOff x="0" y="0"/>
+          <a:chExt cx="0" cy="0"/>
+        </a:xfrm>
+      </p:grpSpPr>
+      <p:sp>
+        <p:nvSpPr>
+          <p:cNvPr id="2" name="Title 1">
+            <a:extLst>
+              <a:ext uri="{FF2B5EF4-FFF2-40B4-BE49-F238E27FC236}">
                 <a16:creationId xmlns:a16="http://schemas.microsoft.com/office/drawing/2014/main" id="{0EA5FD44-9531-4879-B9B1-4B6DDCA093CA}"/>
               </a:ext>
             </a:extLst>
